--- a/final_presentation.pptx
+++ b/final_presentation.pptx
@@ -5,7 +5,7 @@
     <p:sldMasterId id="2147483738" r:id="rId1"/>
   </p:sldMasterIdLst>
   <p:notesMasterIdLst>
-    <p:notesMasterId r:id="rId15"/>
+    <p:notesMasterId r:id="rId16"/>
   </p:notesMasterIdLst>
   <p:sldIdLst>
     <p:sldId id="273" r:id="rId2"/>
@@ -18,9 +18,10 @@
     <p:sldId id="263" r:id="rId9"/>
     <p:sldId id="281" r:id="rId10"/>
     <p:sldId id="282" r:id="rId11"/>
-    <p:sldId id="284" r:id="rId12"/>
-    <p:sldId id="283" r:id="rId13"/>
-    <p:sldId id="276" r:id="rId14"/>
+    <p:sldId id="285" r:id="rId12"/>
+    <p:sldId id="284" r:id="rId13"/>
+    <p:sldId id="283" r:id="rId14"/>
+    <p:sldId id="276" r:id="rId15"/>
   </p:sldIdLst>
   <p:sldSz cx="12192000" cy="6858000"/>
   <p:notesSz cx="6858000" cy="9144000"/>
@@ -22200,6 +22201,473 @@
       </p:grpSpPr>
       <p:sp useBgFill="1">
         <p:nvSpPr>
+          <p:cNvPr id="71" name="Rectangle 70">
+            <a:extLst>
+              <a:ext uri="{FF2B5EF4-FFF2-40B4-BE49-F238E27FC236}">
+                <a16:creationId xmlns:a16="http://schemas.microsoft.com/office/drawing/2014/main" id="{4AB8125F-0FD8-48CD-9F43-73E5494EA774}"/>
+              </a:ext>
+              <a:ext uri="{C183D7F6-B498-43B3-948B-1728B52AA6E4}">
+                <adec:decorative xmlns:adec="http://schemas.microsoft.com/office/drawing/2017/decorative" val="1"/>
+              </a:ext>
+            </a:extLst>
+          </p:cNvPr>
+          <p:cNvSpPr>
+            <a:spLocks noGrp="1" noRot="1" noChangeAspect="1" noMove="1" noResize="1" noEditPoints="1" noAdjustHandles="1" noChangeArrowheads="1" noChangeShapeType="1" noTextEdit="1"/>
+          </p:cNvSpPr>
+          <p:nvPr>
+            <p:extLst>
+              <p:ext uri="{386F3935-93C4-4BCD-93E2-E3B085C9AB24}">
+                <p16:designElem xmlns:p16="http://schemas.microsoft.com/office/powerpoint/2015/main" val="1"/>
+              </p:ext>
+            </p:extLst>
+          </p:nvPr>
+        </p:nvSpPr>
+        <p:spPr>
+          <a:xfrm>
+            <a:off x="3048" y="0"/>
+            <a:ext cx="12188952" cy="6858000"/>
+          </a:xfrm>
+          <a:prstGeom prst="rect">
+            <a:avLst/>
+          </a:prstGeom>
+          <a:ln>
+            <a:noFill/>
+          </a:ln>
+        </p:spPr>
+        <p:style>
+          <a:lnRef idx="2">
+            <a:schemeClr val="accent1">
+              <a:shade val="50000"/>
+            </a:schemeClr>
+          </a:lnRef>
+          <a:fillRef idx="1">
+            <a:schemeClr val="accent1"/>
+          </a:fillRef>
+          <a:effectRef idx="0">
+            <a:schemeClr val="accent1"/>
+          </a:effectRef>
+          <a:fontRef idx="minor">
+            <a:schemeClr val="lt1"/>
+          </a:fontRef>
+        </p:style>
+        <p:txBody>
+          <a:bodyPr rtlCol="0" anchor="ctr"/>
+          <a:lstStyle/>
+          <a:p>
+            <a:pPr algn="ctr"/>
+            <a:endParaRPr lang="en-US">
+              <a:solidFill>
+                <a:schemeClr val="tx1">
+                  <a:lumMod val="65000"/>
+                  <a:lumOff val="35000"/>
+                </a:schemeClr>
+              </a:solidFill>
+              <a:latin typeface="AvenirNext LT Pro Medium" panose="020B0504020202020204" pitchFamily="34" charset="0"/>
+            </a:endParaRPr>
+          </a:p>
+        </p:txBody>
+      </p:sp>
+      <p:sp>
+        <p:nvSpPr>
+          <p:cNvPr id="73" name="Rectangle 72">
+            <a:extLst>
+              <a:ext uri="{FF2B5EF4-FFF2-40B4-BE49-F238E27FC236}">
+                <a16:creationId xmlns:a16="http://schemas.microsoft.com/office/drawing/2014/main" id="{0019DD6C-5899-4C07-864B-EB0A7D104ACF}"/>
+              </a:ext>
+              <a:ext uri="{C183D7F6-B498-43B3-948B-1728B52AA6E4}">
+                <adec:decorative xmlns:adec="http://schemas.microsoft.com/office/drawing/2017/decorative" val="1"/>
+              </a:ext>
+            </a:extLst>
+          </p:cNvPr>
+          <p:cNvSpPr>
+            <a:spLocks noGrp="1" noRot="1" noChangeAspect="1" noMove="1" noResize="1" noEditPoints="1" noAdjustHandles="1" noChangeArrowheads="1" noChangeShapeType="1" noTextEdit="1"/>
+          </p:cNvSpPr>
+          <p:nvPr>
+            <p:extLst>
+              <p:ext uri="{386F3935-93C4-4BCD-93E2-E3B085C9AB24}">
+                <p16:designElem xmlns:p16="http://schemas.microsoft.com/office/powerpoint/2015/main" val="1"/>
+              </p:ext>
+            </p:extLst>
+          </p:nvPr>
+        </p:nvSpPr>
+        <p:spPr>
+          <a:xfrm>
+            <a:off x="3048" y="0"/>
+            <a:ext cx="12188952" cy="6858000"/>
+          </a:xfrm>
+          <a:prstGeom prst="rect">
+            <a:avLst/>
+          </a:prstGeom>
+          <a:solidFill>
+            <a:schemeClr val="bg2">
+              <a:alpha val="70000"/>
+            </a:schemeClr>
+          </a:solidFill>
+          <a:ln>
+            <a:noFill/>
+          </a:ln>
+        </p:spPr>
+        <p:style>
+          <a:lnRef idx="2">
+            <a:schemeClr val="accent1">
+              <a:shade val="50000"/>
+            </a:schemeClr>
+          </a:lnRef>
+          <a:fillRef idx="1">
+            <a:schemeClr val="accent1"/>
+          </a:fillRef>
+          <a:effectRef idx="0">
+            <a:schemeClr val="accent1"/>
+          </a:effectRef>
+          <a:fontRef idx="minor">
+            <a:schemeClr val="lt1"/>
+          </a:fontRef>
+        </p:style>
+        <p:txBody>
+          <a:bodyPr rtlCol="0" anchor="ctr"/>
+          <a:lstStyle/>
+          <a:p>
+            <a:pPr algn="ctr"/>
+            <a:endParaRPr lang="en-US">
+              <a:solidFill>
+                <a:schemeClr val="tx1">
+                  <a:lumMod val="65000"/>
+                  <a:lumOff val="35000"/>
+                </a:schemeClr>
+              </a:solidFill>
+              <a:latin typeface="AvenirNext LT Pro Medium" panose="020B0504020202020204" pitchFamily="34" charset="0"/>
+            </a:endParaRPr>
+          </a:p>
+        </p:txBody>
+      </p:sp>
+      <p:sp>
+        <p:nvSpPr>
+          <p:cNvPr id="75" name="Rectangle 74">
+            <a:extLst>
+              <a:ext uri="{FF2B5EF4-FFF2-40B4-BE49-F238E27FC236}">
+                <a16:creationId xmlns:a16="http://schemas.microsoft.com/office/drawing/2014/main" id="{EBDFFBC1-15BD-428E-B8AF-ECF5D1B76DEB}"/>
+              </a:ext>
+              <a:ext uri="{C183D7F6-B498-43B3-948B-1728B52AA6E4}">
+                <adec:decorative xmlns:adec="http://schemas.microsoft.com/office/drawing/2017/decorative" val="1"/>
+              </a:ext>
+            </a:extLst>
+          </p:cNvPr>
+          <p:cNvSpPr>
+            <a:spLocks noGrp="1" noRot="1" noChangeAspect="1" noMove="1" noResize="1" noEditPoints="1" noAdjustHandles="1" noChangeArrowheads="1" noChangeShapeType="1" noTextEdit="1"/>
+          </p:cNvSpPr>
+          <p:nvPr>
+            <p:extLst>
+              <p:ext uri="{386F3935-93C4-4BCD-93E2-E3B085C9AB24}">
+                <p16:designElem xmlns:p16="http://schemas.microsoft.com/office/powerpoint/2015/main" val="1"/>
+              </p:ext>
+            </p:extLst>
+          </p:nvPr>
+        </p:nvSpPr>
+        <p:spPr>
+          <a:xfrm>
+            <a:off x="0" y="-151"/>
+            <a:ext cx="12192000" cy="2217680"/>
+          </a:xfrm>
+          <a:prstGeom prst="rect">
+            <a:avLst/>
+          </a:prstGeom>
+          <a:solidFill>
+            <a:schemeClr val="tx2">
+              <a:lumMod val="90000"/>
+              <a:lumOff val="10000"/>
+            </a:schemeClr>
+          </a:solidFill>
+          <a:ln>
+            <a:noFill/>
+          </a:ln>
+        </p:spPr>
+        <p:style>
+          <a:lnRef idx="2">
+            <a:schemeClr val="accent1">
+              <a:shade val="50000"/>
+            </a:schemeClr>
+          </a:lnRef>
+          <a:fillRef idx="1">
+            <a:schemeClr val="accent1"/>
+          </a:fillRef>
+          <a:effectRef idx="0">
+            <a:schemeClr val="accent1"/>
+          </a:effectRef>
+          <a:fontRef idx="minor">
+            <a:schemeClr val="lt1"/>
+          </a:fontRef>
+        </p:style>
+        <p:txBody>
+          <a:bodyPr rtlCol="0" anchor="ctr"/>
+          <a:lstStyle/>
+          <a:p>
+            <a:pPr algn="ctr"/>
+            <a:endParaRPr lang="en-US" dirty="0">
+              <a:solidFill>
+                <a:schemeClr val="tx1">
+                  <a:lumMod val="65000"/>
+                  <a:lumOff val="35000"/>
+                </a:schemeClr>
+              </a:solidFill>
+              <a:latin typeface="AvenirNext LT Pro Medium" panose="020B0504020202020204" pitchFamily="34" charset="0"/>
+            </a:endParaRPr>
+          </a:p>
+        </p:txBody>
+      </p:sp>
+      <p:sp>
+        <p:nvSpPr>
+          <p:cNvPr id="77" name="Rectangle 76">
+            <a:extLst>
+              <a:ext uri="{FF2B5EF4-FFF2-40B4-BE49-F238E27FC236}">
+                <a16:creationId xmlns:a16="http://schemas.microsoft.com/office/drawing/2014/main" id="{EBFB3075-0323-4EB0-B1A5-776A0E709CEF}"/>
+              </a:ext>
+              <a:ext uri="{C183D7F6-B498-43B3-948B-1728B52AA6E4}">
+                <adec:decorative xmlns:adec="http://schemas.microsoft.com/office/drawing/2017/decorative" val="1"/>
+              </a:ext>
+            </a:extLst>
+          </p:cNvPr>
+          <p:cNvSpPr>
+            <a:spLocks noGrp="1" noRot="1" noChangeAspect="1" noMove="1" noResize="1" noEditPoints="1" noAdjustHandles="1" noChangeArrowheads="1" noChangeShapeType="1" noTextEdit="1"/>
+          </p:cNvSpPr>
+          <p:nvPr>
+            <p:extLst>
+              <p:ext uri="{386F3935-93C4-4BCD-93E2-E3B085C9AB24}">
+                <p16:designElem xmlns:p16="http://schemas.microsoft.com/office/powerpoint/2015/main" val="1"/>
+              </p:ext>
+            </p:extLst>
+          </p:nvPr>
+        </p:nvSpPr>
+        <p:spPr>
+          <a:xfrm rot="10800000">
+            <a:off x="0" y="-1"/>
+            <a:ext cx="12191999" cy="2224386"/>
+          </a:xfrm>
+          <a:prstGeom prst="rect">
+            <a:avLst/>
+          </a:prstGeom>
+          <a:blipFill dpi="0" rotWithShape="1">
+            <a:blip r:embed="rId2">
+              <a:alphaModFix amt="20000"/>
+              <a:duotone>
+                <a:schemeClr val="accent1">
+                  <a:shade val="45000"/>
+                  <a:satMod val="135000"/>
+                </a:schemeClr>
+                <a:prstClr val="white"/>
+              </a:duotone>
+            </a:blip>
+            <a:srcRect/>
+            <a:tile tx="889000" ty="0" sx="100000" sy="100000" flip="none" algn="tl"/>
+          </a:blipFill>
+          <a:ln>
+            <a:noFill/>
+          </a:ln>
+        </p:spPr>
+        <p:style>
+          <a:lnRef idx="2">
+            <a:schemeClr val="accent1">
+              <a:shade val="50000"/>
+            </a:schemeClr>
+          </a:lnRef>
+          <a:fillRef idx="1">
+            <a:schemeClr val="accent1"/>
+          </a:fillRef>
+          <a:effectRef idx="0">
+            <a:schemeClr val="accent1"/>
+          </a:effectRef>
+          <a:fontRef idx="minor">
+            <a:schemeClr val="lt1"/>
+          </a:fontRef>
+        </p:style>
+        <p:txBody>
+          <a:bodyPr rtlCol="0" anchor="ctr"/>
+          <a:lstStyle/>
+          <a:p>
+            <a:pPr algn="ctr"/>
+            <a:endParaRPr lang="en-US" dirty="0"/>
+          </a:p>
+        </p:txBody>
+      </p:sp>
+      <p:sp>
+        <p:nvSpPr>
+          <p:cNvPr id="2" name="Title 1">
+            <a:extLst>
+              <a:ext uri="{FF2B5EF4-FFF2-40B4-BE49-F238E27FC236}">
+                <a16:creationId xmlns:a16="http://schemas.microsoft.com/office/drawing/2014/main" id="{C215F5B2-BF11-49EF-A74E-85A7D2416A32}"/>
+              </a:ext>
+            </a:extLst>
+          </p:cNvPr>
+          <p:cNvSpPr>
+            <a:spLocks noGrp="1"/>
+          </p:cNvSpPr>
+          <p:nvPr>
+            <p:ph type="title"/>
+          </p:nvPr>
+        </p:nvSpPr>
+        <p:spPr>
+          <a:xfrm>
+            <a:off x="838200" y="381000"/>
+            <a:ext cx="10003218" cy="1600124"/>
+          </a:xfrm>
+        </p:spPr>
+        <p:txBody>
+          <a:bodyPr>
+            <a:normAutofit/>
+          </a:bodyPr>
+          <a:lstStyle/>
+          <a:p>
+            <a:r>
+              <a:rPr lang="en-US" dirty="0"/>
+              <a:t>Analysis</a:t>
+            </a:r>
+          </a:p>
+        </p:txBody>
+      </p:sp>
+      <p:sp>
+        <p:nvSpPr>
+          <p:cNvPr id="3" name="Content Placeholder 2">
+            <a:extLst>
+              <a:ext uri="{FF2B5EF4-FFF2-40B4-BE49-F238E27FC236}">
+                <a16:creationId xmlns:a16="http://schemas.microsoft.com/office/drawing/2014/main" id="{8254BA30-0FF7-467A-B0D5-6D8A623A79A3}"/>
+              </a:ext>
+            </a:extLst>
+          </p:cNvPr>
+          <p:cNvSpPr>
+            <a:spLocks noGrp="1"/>
+          </p:cNvSpPr>
+          <p:nvPr>
+            <p:ph idx="1"/>
+          </p:nvPr>
+        </p:nvSpPr>
+        <p:spPr>
+          <a:xfrm>
+            <a:off x="838200" y="2745362"/>
+            <a:ext cx="4800600" cy="3552824"/>
+          </a:xfrm>
+        </p:spPr>
+        <p:txBody>
+          <a:bodyPr anchor="ctr">
+            <a:normAutofit/>
+          </a:bodyPr>
+          <a:lstStyle/>
+          <a:p>
+            <a:r>
+              <a:rPr lang="en-US" sz="1800">
+                <a:solidFill>
+                  <a:schemeClr val="tx1"/>
+                </a:solidFill>
+              </a:rPr>
+              <a:t>One model, two different computers</a:t>
+            </a:r>
+          </a:p>
+          <a:p>
+            <a:r>
+              <a:rPr lang="en-US" sz="1800">
+                <a:solidFill>
+                  <a:schemeClr val="tx1"/>
+                </a:solidFill>
+              </a:rPr>
+              <a:t>Training path is not consistent</a:t>
+            </a:r>
+          </a:p>
+          <a:p>
+            <a:r>
+              <a:rPr lang="en-US" sz="1800">
+                <a:solidFill>
+                  <a:schemeClr val="tx1"/>
+                </a:solidFill>
+              </a:rPr>
+              <a:t>Performance at peaks was about the same</a:t>
+            </a:r>
+          </a:p>
+        </p:txBody>
+      </p:sp>
+      <p:pic>
+        <p:nvPicPr>
+          <p:cNvPr id="1026" name="Picture 2" descr="Chart, line chart&#10;&#10;Description automatically generated">
+            <a:extLst>
+              <a:ext uri="{FF2B5EF4-FFF2-40B4-BE49-F238E27FC236}">
+                <a16:creationId xmlns:a16="http://schemas.microsoft.com/office/drawing/2014/main" id="{3BBE2B65-94F5-48D3-AB02-2997642AF051}"/>
+              </a:ext>
+            </a:extLst>
+          </p:cNvPr>
+          <p:cNvPicPr>
+            <a:picLocks noChangeAspect="1" noChangeArrowheads="1"/>
+          </p:cNvPicPr>
+          <p:nvPr/>
+        </p:nvPicPr>
+        <p:blipFill>
+          <a:blip r:embed="rId3">
+            <a:extLst>
+              <a:ext uri="{28A0092B-C50C-407E-A947-70E740481C1C}">
+                <a14:useLocalDpi xmlns:a14="http://schemas.microsoft.com/office/drawing/2010/main" val="0"/>
+              </a:ext>
+            </a:extLst>
+          </a:blip>
+          <a:stretch>
+            <a:fillRect/>
+          </a:stretch>
+        </p:blipFill>
+        <p:spPr bwMode="auto">
+          <a:xfrm>
+            <a:off x="5996628" y="3083438"/>
+            <a:ext cx="5585772" cy="2876672"/>
+          </a:xfrm>
+          <a:prstGeom prst="rect">
+            <a:avLst/>
+          </a:prstGeom>
+          <a:noFill/>
+          <a:extLst>
+            <a:ext uri="{909E8E84-426E-40DD-AFC4-6F175D3DCCD1}">
+              <a14:hiddenFill xmlns:a14="http://schemas.microsoft.com/office/drawing/2010/main">
+                <a:solidFill>
+                  <a:srgbClr val="FFFFFF"/>
+                </a:solidFill>
+              </a14:hiddenFill>
+            </a:ext>
+          </a:extLst>
+        </p:spPr>
+      </p:pic>
+    </p:spTree>
+    <p:extLst>
+      <p:ext uri="{BB962C8B-B14F-4D97-AF65-F5344CB8AC3E}">
+        <p14:creationId xmlns:p14="http://schemas.microsoft.com/office/powerpoint/2010/main" val="634324562"/>
+      </p:ext>
+    </p:extLst>
+  </p:cSld>
+  <p:clrMapOvr>
+    <a:masterClrMapping/>
+  </p:clrMapOvr>
+</p:sld>
+</file>
+
+<file path=ppt/slides/slide12.xml><?xml version="1.0" encoding="utf-8"?>
+<p:sld xmlns:a="http://schemas.openxmlformats.org/drawingml/2006/main" xmlns:r="http://schemas.openxmlformats.org/officeDocument/2006/relationships" xmlns:p="http://schemas.openxmlformats.org/presentationml/2006/main">
+  <p:cSld>
+    <p:bg>
+      <p:bgPr>
+        <a:solidFill>
+          <a:schemeClr val="bg1"/>
+        </a:solidFill>
+        <a:effectLst/>
+      </p:bgPr>
+    </p:bg>
+    <p:spTree>
+      <p:nvGrpSpPr>
+        <p:cNvPr id="1" name=""/>
+        <p:cNvGrpSpPr/>
+        <p:nvPr/>
+      </p:nvGrpSpPr>
+      <p:grpSpPr>
+        <a:xfrm>
+          <a:off x="0" y="0"/>
+          <a:ext cx="0" cy="0"/>
+          <a:chOff x="0" y="0"/>
+          <a:chExt cx="0" cy="0"/>
+        </a:xfrm>
+      </p:grpSpPr>
+      <p:sp useBgFill="1">
+        <p:nvSpPr>
           <p:cNvPr id="9" name="Rectangle 8">
             <a:extLst>
               <a:ext uri="{FF2B5EF4-FFF2-40B4-BE49-F238E27FC236}">
@@ -22558,7 +23026,7 @@
 </p:sld>
 </file>
 
-<file path=ppt/slides/slide12.xml><?xml version="1.0" encoding="utf-8"?>
+<file path=ppt/slides/slide13.xml><?xml version="1.0" encoding="utf-8"?>
 <p:sld xmlns:a="http://schemas.openxmlformats.org/drawingml/2006/main" xmlns:r="http://schemas.openxmlformats.org/officeDocument/2006/relationships" xmlns:p="http://schemas.openxmlformats.org/presentationml/2006/main">
   <p:cSld>
     <p:bg>
@@ -22943,7 +23411,7 @@
 </p:sld>
 </file>
 
-<file path=ppt/slides/slide13.xml><?xml version="1.0" encoding="utf-8"?>
+<file path=ppt/slides/slide14.xml><?xml version="1.0" encoding="utf-8"?>
 <p:sld xmlns:a="http://schemas.openxmlformats.org/drawingml/2006/main" xmlns:r="http://schemas.openxmlformats.org/officeDocument/2006/relationships" xmlns:p="http://schemas.openxmlformats.org/presentationml/2006/main">
   <p:cSld>
     <p:spTree>
